--- a/docs/2019-introduction.pptx
+++ b/docs/2019-introduction.pptx
@@ -8,9 +8,10 @@
     <p:sldId id="256" r:id="rId2"/>
     <p:sldId id="257" r:id="rId3"/>
     <p:sldId id="261" r:id="rId4"/>
-    <p:sldId id="258" r:id="rId5"/>
-    <p:sldId id="260" r:id="rId6"/>
-    <p:sldId id="259" r:id="rId7"/>
+    <p:sldId id="262" r:id="rId5"/>
+    <p:sldId id="258" r:id="rId6"/>
+    <p:sldId id="260" r:id="rId7"/>
+    <p:sldId id="259" r:id="rId8"/>
   </p:sldIdLst>
   <p:sldSz cx="9144000" cy="6858000" type="screen4x3"/>
   <p:notesSz cx="6858000" cy="9144000"/>
@@ -307,7 +308,7 @@
           <a:p>
             <a:fld id="{F5C3A198-C502-1941-9EE7-9FEA35752CAD}" type="datetimeFigureOut">
               <a:rPr lang="en-US" smtClean="0"/>
-              <a:t>2/21/19</a:t>
+              <a:t>2/23/19</a:t>
             </a:fld>
             <a:endParaRPr lang="en-US"/>
           </a:p>
@@ -475,7 +476,7 @@
           <a:p>
             <a:fld id="{F5C3A198-C502-1941-9EE7-9FEA35752CAD}" type="datetimeFigureOut">
               <a:rPr lang="en-US" smtClean="0"/>
-              <a:t>2/21/19</a:t>
+              <a:t>2/23/19</a:t>
             </a:fld>
             <a:endParaRPr lang="en-US"/>
           </a:p>
@@ -653,7 +654,7 @@
           <a:p>
             <a:fld id="{F5C3A198-C502-1941-9EE7-9FEA35752CAD}" type="datetimeFigureOut">
               <a:rPr lang="en-US" smtClean="0"/>
-              <a:t>2/21/19</a:t>
+              <a:t>2/23/19</a:t>
             </a:fld>
             <a:endParaRPr lang="en-US"/>
           </a:p>
@@ -821,7 +822,7 @@
           <a:p>
             <a:fld id="{F5C3A198-C502-1941-9EE7-9FEA35752CAD}" type="datetimeFigureOut">
               <a:rPr lang="en-US" smtClean="0"/>
-              <a:t>2/21/19</a:t>
+              <a:t>2/23/19</a:t>
             </a:fld>
             <a:endParaRPr lang="en-US"/>
           </a:p>
@@ -1066,7 +1067,7 @@
           <a:p>
             <a:fld id="{F5C3A198-C502-1941-9EE7-9FEA35752CAD}" type="datetimeFigureOut">
               <a:rPr lang="en-US" smtClean="0"/>
-              <a:t>2/21/19</a:t>
+              <a:t>2/23/19</a:t>
             </a:fld>
             <a:endParaRPr lang="en-US"/>
           </a:p>
@@ -1351,7 +1352,7 @@
           <a:p>
             <a:fld id="{F5C3A198-C502-1941-9EE7-9FEA35752CAD}" type="datetimeFigureOut">
               <a:rPr lang="en-US" smtClean="0"/>
-              <a:t>2/21/19</a:t>
+              <a:t>2/23/19</a:t>
             </a:fld>
             <a:endParaRPr lang="en-US"/>
           </a:p>
@@ -1770,7 +1771,7 @@
           <a:p>
             <a:fld id="{F5C3A198-C502-1941-9EE7-9FEA35752CAD}" type="datetimeFigureOut">
               <a:rPr lang="en-US" smtClean="0"/>
-              <a:t>2/21/19</a:t>
+              <a:t>2/23/19</a:t>
             </a:fld>
             <a:endParaRPr lang="en-US"/>
           </a:p>
@@ -1887,7 +1888,7 @@
           <a:p>
             <a:fld id="{F5C3A198-C502-1941-9EE7-9FEA35752CAD}" type="datetimeFigureOut">
               <a:rPr lang="en-US" smtClean="0"/>
-              <a:t>2/21/19</a:t>
+              <a:t>2/23/19</a:t>
             </a:fld>
             <a:endParaRPr lang="en-US"/>
           </a:p>
@@ -1982,7 +1983,7 @@
           <a:p>
             <a:fld id="{F5C3A198-C502-1941-9EE7-9FEA35752CAD}" type="datetimeFigureOut">
               <a:rPr lang="en-US" smtClean="0"/>
-              <a:t>2/21/19</a:t>
+              <a:t>2/23/19</a:t>
             </a:fld>
             <a:endParaRPr lang="en-US"/>
           </a:p>
@@ -2257,7 +2258,7 @@
           <a:p>
             <a:fld id="{F5C3A198-C502-1941-9EE7-9FEA35752CAD}" type="datetimeFigureOut">
               <a:rPr lang="en-US" smtClean="0"/>
-              <a:t>2/21/19</a:t>
+              <a:t>2/23/19</a:t>
             </a:fld>
             <a:endParaRPr lang="en-US"/>
           </a:p>
@@ -2509,7 +2510,7 @@
           <a:p>
             <a:fld id="{F5C3A198-C502-1941-9EE7-9FEA35752CAD}" type="datetimeFigureOut">
               <a:rPr lang="en-US" smtClean="0"/>
-              <a:t>2/21/19</a:t>
+              <a:t>2/23/19</a:t>
             </a:fld>
             <a:endParaRPr lang="en-US"/>
           </a:p>
@@ -2720,7 +2721,7 @@
           <a:p>
             <a:fld id="{F5C3A198-C502-1941-9EE7-9FEA35752CAD}" type="datetimeFigureOut">
               <a:rPr lang="en-US" smtClean="0"/>
-              <a:t>2/21/19</a:t>
+              <a:t>2/23/19</a:t>
             </a:fld>
             <a:endParaRPr lang="en-US"/>
           </a:p>
@@ -3393,7 +3394,7 @@
 </file>
 
 <file path=ppt/slides/slide3.xml><?xml version="1.0" encoding="utf-8"?>
-<p:sld xmlns:a="http://schemas.openxmlformats.org/drawingml/2006/main" xmlns:r="http://schemas.openxmlformats.org/officeDocument/2006/relationships" xmlns:p="http://schemas.openxmlformats.org/presentationml/2006/main">
+<p:sld xmlns:a="http://schemas.openxmlformats.org/drawingml/2006/main" xmlns:r="http://schemas.openxmlformats.org/officeDocument/2006/relationships" xmlns:p="http://schemas.openxmlformats.org/presentationml/2006/main" show="0">
   <p:cSld>
     <p:spTree>
       <p:nvGrpSpPr>
@@ -3572,7 +3573,7 @@
           <a:p>
             <a:r>
               <a:rPr lang="en-US" dirty="0"/>
-              <a:t>Contest Format</a:t>
+              <a:t>Awards</a:t>
             </a:r>
           </a:p>
         </p:txBody>
@@ -3589,85 +3590,62 @@
         </p:nvSpPr>
         <p:spPr>
           <a:xfrm>
-            <a:off x="457200" y="1600200"/>
-            <a:ext cx="8229600" cy="4969465"/>
+            <a:off x="457199" y="1600200"/>
+            <a:ext cx="8548661" cy="4969465"/>
           </a:xfrm>
         </p:spPr>
         <p:txBody>
           <a:bodyPr>
-            <a:normAutofit fontScale="92500"/>
+            <a:normAutofit/>
           </a:bodyPr>
           <a:lstStyle/>
           <a:p>
+            <a:pPr>
+              <a:lnSpc>
+                <a:spcPct val="120000"/>
+              </a:lnSpc>
+            </a:pPr>
             <a:r>
               <a:rPr lang="en-US" dirty="0"/>
-              <a:t>8 Questions (Practice contest: 3)</a:t>
-            </a:r>
-          </a:p>
-          <a:p>
+              <a:t>Top 6 teams by score</a:t>
+            </a:r>
+          </a:p>
+          <a:p>
+            <a:pPr>
+              <a:lnSpc>
+                <a:spcPct val="120000"/>
+              </a:lnSpc>
+            </a:pPr>
             <a:r>
               <a:rPr lang="en-US" dirty="0"/>
-              <a:t>Scoring:</a:t>
-            </a:r>
-          </a:p>
-          <a:p>
-            <a:pPr lvl="1"/>
+              <a:t>Awards for teams that solve problems soon</a:t>
+            </a:r>
+          </a:p>
+          <a:p>
+            <a:pPr lvl="1">
+              <a:lnSpc>
+                <a:spcPct val="120000"/>
+              </a:lnSpc>
+            </a:pPr>
             <a:r>
               <a:rPr lang="en-US" dirty="0"/>
-              <a:t>By number of problems solved</a:t>
-            </a:r>
-          </a:p>
-          <a:p>
-            <a:pPr lvl="1"/>
-            <a:r>
-              <a:rPr lang="en-US" dirty="0"/>
-              <a:t>If there is tie:</a:t>
-            </a:r>
-          </a:p>
-          <a:p>
-            <a:pPr lvl="2"/>
-            <a:r>
-              <a:rPr lang="en-US" dirty="0"/>
-              <a:t>Based on (MINIMUM) total score</a:t>
-            </a:r>
-          </a:p>
-          <a:p>
-            <a:pPr lvl="2"/>
-            <a:r>
-              <a:rPr lang="en-US" dirty="0"/>
-              <a:t>Score = SUM:</a:t>
-            </a:r>
-          </a:p>
-          <a:p>
-            <a:pPr lvl="3"/>
-            <a:r>
-              <a:rPr lang="en-US" sz="2400" dirty="0"/>
-              <a:t>For every correct submission, the time at which submitted, PLUS</a:t>
-            </a:r>
-          </a:p>
-          <a:p>
-            <a:pPr lvl="3"/>
-            <a:r>
-              <a:rPr lang="en-US" sz="2400" dirty="0"/>
-              <a:t>20 * number of incorrect submissions</a:t>
-            </a:r>
-          </a:p>
-          <a:p>
-            <a:pPr lvl="4"/>
-            <a:r>
-              <a:rPr lang="en-US" sz="2400" dirty="0"/>
-              <a:t>Only for eventually correct submissions</a:t>
-            </a:r>
-          </a:p>
-          <a:p>
-            <a:pPr lvl="4"/>
-            <a:r>
-              <a:rPr lang="en-US" sz="2400" dirty="0"/>
-              <a:t>No penalty if the problem is not eventually solved</a:t>
-            </a:r>
-          </a:p>
-          <a:p>
-            <a:pPr lvl="2"/>
+              <a:t>A team can only get one award</a:t>
+            </a:r>
+          </a:p>
+          <a:p>
+            <a:pPr>
+              <a:lnSpc>
+                <a:spcPct val="120000"/>
+              </a:lnSpc>
+            </a:pPr>
+            <a:endParaRPr lang="en-US" dirty="0"/>
+          </a:p>
+          <a:p>
+            <a:pPr lvl="1">
+              <a:lnSpc>
+                <a:spcPct val="120000"/>
+              </a:lnSpc>
+            </a:pPr>
             <a:endParaRPr lang="en-US" dirty="0"/>
           </a:p>
         </p:txBody>
@@ -3675,7 +3653,7 @@
     </p:spTree>
     <p:extLst>
       <p:ext uri="{BB962C8B-B14F-4D97-AF65-F5344CB8AC3E}">
-        <p14:creationId xmlns:p14="http://schemas.microsoft.com/office/powerpoint/2010/main" val="536518529"/>
+        <p14:creationId xmlns:p14="http://schemas.microsoft.com/office/powerpoint/2010/main" val="3494724737"/>
       </p:ext>
     </p:extLst>
   </p:cSld>
@@ -3719,7 +3697,7 @@
           <a:p>
             <a:r>
               <a:rPr lang="en-US" dirty="0"/>
-              <a:t>Contest Environment</a:t>
+              <a:t>Contest Format</a:t>
             </a:r>
           </a:p>
         </p:txBody>
@@ -3742,6 +3720,153 @@
         </p:spPr>
         <p:txBody>
           <a:bodyPr>
+            <a:normAutofit fontScale="92500"/>
+          </a:bodyPr>
+          <a:lstStyle/>
+          <a:p>
+            <a:r>
+              <a:rPr lang="en-US" dirty="0"/>
+              <a:t>8 Questions (Practice contest: 3)</a:t>
+            </a:r>
+          </a:p>
+          <a:p>
+            <a:r>
+              <a:rPr lang="en-US" dirty="0"/>
+              <a:t>Scoring:</a:t>
+            </a:r>
+          </a:p>
+          <a:p>
+            <a:pPr lvl="1"/>
+            <a:r>
+              <a:rPr lang="en-US" dirty="0"/>
+              <a:t>By number of problems solved</a:t>
+            </a:r>
+          </a:p>
+          <a:p>
+            <a:pPr lvl="1"/>
+            <a:r>
+              <a:rPr lang="en-US" dirty="0"/>
+              <a:t>If there is tie:</a:t>
+            </a:r>
+          </a:p>
+          <a:p>
+            <a:pPr lvl="2"/>
+            <a:r>
+              <a:rPr lang="en-US" dirty="0"/>
+              <a:t>Based on (MINIMUM) total score</a:t>
+            </a:r>
+          </a:p>
+          <a:p>
+            <a:pPr lvl="2"/>
+            <a:r>
+              <a:rPr lang="en-US" dirty="0"/>
+              <a:t>Score = SUM:</a:t>
+            </a:r>
+          </a:p>
+          <a:p>
+            <a:pPr lvl="3"/>
+            <a:r>
+              <a:rPr lang="en-US" sz="2400" dirty="0"/>
+              <a:t>For every correct submission, the time at which submitted, PLUS</a:t>
+            </a:r>
+          </a:p>
+          <a:p>
+            <a:pPr lvl="3"/>
+            <a:r>
+              <a:rPr lang="en-US" sz="2400" dirty="0"/>
+              <a:t>20 * number of incorrect submissions</a:t>
+            </a:r>
+          </a:p>
+          <a:p>
+            <a:pPr lvl="4"/>
+            <a:r>
+              <a:rPr lang="en-US" sz="2400" dirty="0"/>
+              <a:t>Only for eventually correct submissions</a:t>
+            </a:r>
+          </a:p>
+          <a:p>
+            <a:pPr lvl="4"/>
+            <a:r>
+              <a:rPr lang="en-US" sz="2400" dirty="0"/>
+              <a:t>No penalty if the problem is not eventually solved</a:t>
+            </a:r>
+          </a:p>
+          <a:p>
+            <a:pPr lvl="2"/>
+            <a:endParaRPr lang="en-US" dirty="0"/>
+          </a:p>
+        </p:txBody>
+      </p:sp>
+    </p:spTree>
+    <p:extLst>
+      <p:ext uri="{BB962C8B-B14F-4D97-AF65-F5344CB8AC3E}">
+        <p14:creationId xmlns:p14="http://schemas.microsoft.com/office/powerpoint/2010/main" val="536518529"/>
+      </p:ext>
+    </p:extLst>
+  </p:cSld>
+  <p:clrMapOvr>
+    <a:masterClrMapping/>
+  </p:clrMapOvr>
+</p:sld>
+</file>
+
+<file path=ppt/slides/slide6.xml><?xml version="1.0" encoding="utf-8"?>
+<p:sld xmlns:a="http://schemas.openxmlformats.org/drawingml/2006/main" xmlns:r="http://schemas.openxmlformats.org/officeDocument/2006/relationships" xmlns:p="http://schemas.openxmlformats.org/presentationml/2006/main">
+  <p:cSld>
+    <p:spTree>
+      <p:nvGrpSpPr>
+        <p:cNvPr id="1" name=""/>
+        <p:cNvGrpSpPr/>
+        <p:nvPr/>
+      </p:nvGrpSpPr>
+      <p:grpSpPr>
+        <a:xfrm>
+          <a:off x="0" y="0"/>
+          <a:ext cx="0" cy="0"/>
+          <a:chOff x="0" y="0"/>
+          <a:chExt cx="0" cy="0"/>
+        </a:xfrm>
+      </p:grpSpPr>
+      <p:sp>
+        <p:nvSpPr>
+          <p:cNvPr id="2" name="Title 1"/>
+          <p:cNvSpPr>
+            <a:spLocks noGrp="1"/>
+          </p:cNvSpPr>
+          <p:nvPr>
+            <p:ph type="title"/>
+          </p:nvPr>
+        </p:nvSpPr>
+        <p:spPr/>
+        <p:txBody>
+          <a:bodyPr/>
+          <a:lstStyle/>
+          <a:p>
+            <a:r>
+              <a:rPr lang="en-US" dirty="0"/>
+              <a:t>Contest Environment</a:t>
+            </a:r>
+          </a:p>
+        </p:txBody>
+      </p:sp>
+      <p:sp>
+        <p:nvSpPr>
+          <p:cNvPr id="3" name="Content Placeholder 2"/>
+          <p:cNvSpPr>
+            <a:spLocks noGrp="1"/>
+          </p:cNvSpPr>
+          <p:nvPr>
+            <p:ph idx="1"/>
+          </p:nvPr>
+        </p:nvSpPr>
+        <p:spPr>
+          <a:xfrm>
+            <a:off x="457200" y="1600200"/>
+            <a:ext cx="8229600" cy="4969465"/>
+          </a:xfrm>
+        </p:spPr>
+        <p:txBody>
+          <a:bodyPr>
             <a:normAutofit/>
           </a:bodyPr>
           <a:lstStyle/>
@@ -3775,6 +3900,23 @@
                 </a:solidFill>
               </a:rPr>
               <a:t>do not disconnect the power supplies</a:t>
+            </a:r>
+          </a:p>
+          <a:p>
+            <a:endParaRPr lang="en-US" dirty="0">
+              <a:solidFill>
+                <a:srgbClr val="C00000"/>
+              </a:solidFill>
+            </a:endParaRPr>
+          </a:p>
+          <a:p>
+            <a:r>
+              <a:rPr lang="en-US" b="1" u="sng" dirty="0">
+                <a:solidFill>
+                  <a:srgbClr val="C00000"/>
+                </a:solidFill>
+              </a:rPr>
+              <a:t>Do not disconnect the power supplies.</a:t>
             </a:r>
           </a:p>
         </p:txBody>
@@ -3792,7 +3934,7 @@
 </p:sld>
 </file>
 
-<file path=ppt/slides/slide6.xml><?xml version="1.0" encoding="utf-8"?>
+<file path=ppt/slides/slide7.xml><?xml version="1.0" encoding="utf-8"?>
 <p:sld xmlns:a="http://schemas.openxmlformats.org/drawingml/2006/main" xmlns:r="http://schemas.openxmlformats.org/officeDocument/2006/relationships" xmlns:p="http://schemas.openxmlformats.org/presentationml/2006/main">
   <p:cSld>
     <p:spTree>
